--- a/Modelagem Matemática.pptx
+++ b/Modelagem Matemática.pptx
@@ -208,7 +208,7 @@
           <a:p>
             <a:fld id="{B1FC7117-7207-44C6-8A12-59FC06BBAD8D}" type="datetimeFigureOut">
               <a:rPr lang="pt-BR" smtClean="0"/>
-              <a:t>06/12/2018</a:t>
+              <a:t>12/10/2019</a:t>
             </a:fld>
             <a:endParaRPr lang="pt-BR"/>
           </a:p>
@@ -796,11 +796,7 @@
           <a:p>
             <a:r>
               <a:rPr lang="pt-BR" dirty="0" smtClean="0"/>
-              <a:t> 1.	 Arte de representar os objetos sobre um plano tais como se apresentam à vista</a:t>
-            </a:r>
-            <a:r>
-              <a:rPr lang="pt-BR" dirty="0" smtClean="0"/>
-              <a:t>.</a:t>
+              <a:t> 1.	 Arte de representar os objetos sobre um plano tais como se apresentam à vista.</a:t>
             </a:r>
           </a:p>
           <a:p>
@@ -2348,7 +2344,7 @@
           <a:p>
             <a:fld id="{48A87A34-81AB-432B-8DAE-1953F412C126}" type="datetimeFigureOut">
               <a:rPr lang="en-US" dirty="0"/>
-              <a:t>12/6/2018</a:t>
+              <a:t>10/12/2019</a:t>
             </a:fld>
             <a:endParaRPr lang="en-US" dirty="0"/>
           </a:p>
@@ -2610,7 +2606,7 @@
           <a:p>
             <a:fld id="{48A87A34-81AB-432B-8DAE-1953F412C126}" type="datetimeFigureOut">
               <a:rPr lang="en-US" dirty="0"/>
-              <a:t>12/6/2018</a:t>
+              <a:t>10/12/2019</a:t>
             </a:fld>
             <a:endParaRPr lang="en-US" dirty="0"/>
           </a:p>
@@ -2837,7 +2833,7 @@
             <a:fld id="{48A87A34-81AB-432B-8DAE-1953F412C126}" type="datetimeFigureOut">
               <a:rPr lang="en-US" dirty="0"/>
               <a:pPr/>
-              <a:t>12/6/2018</a:t>
+              <a:t>10/12/2019</a:t>
             </a:fld>
             <a:endParaRPr lang="en-US" dirty="0"/>
           </a:p>
@@ -3143,7 +3139,7 @@
             <a:fld id="{48A87A34-81AB-432B-8DAE-1953F412C126}" type="datetimeFigureOut">
               <a:rPr lang="en-US" dirty="0"/>
               <a:pPr/>
-              <a:t>12/6/2018</a:t>
+              <a:t>10/12/2019</a:t>
             </a:fld>
             <a:endParaRPr lang="en-US" dirty="0"/>
           </a:p>
@@ -3612,7 +3608,7 @@
             <a:fld id="{48A87A34-81AB-432B-8DAE-1953F412C126}" type="datetimeFigureOut">
               <a:rPr lang="en-US" dirty="0"/>
               <a:pPr/>
-              <a:t>12/6/2018</a:t>
+              <a:t>10/12/2019</a:t>
             </a:fld>
             <a:endParaRPr lang="en-US" dirty="0"/>
           </a:p>
@@ -4154,7 +4150,7 @@
           <a:p>
             <a:fld id="{48A87A34-81AB-432B-8DAE-1953F412C126}" type="datetimeFigureOut">
               <a:rPr lang="en-US" dirty="0"/>
-              <a:t>12/6/2018</a:t>
+              <a:t>10/12/2019</a:t>
             </a:fld>
             <a:endParaRPr lang="en-US" dirty="0"/>
           </a:p>
@@ -4923,7 +4919,7 @@
           <a:p>
             <a:fld id="{48A87A34-81AB-432B-8DAE-1953F412C126}" type="datetimeFigureOut">
               <a:rPr lang="en-US" dirty="0"/>
-              <a:t>12/6/2018</a:t>
+              <a:t>10/12/2019</a:t>
             </a:fld>
             <a:endParaRPr lang="en-US" dirty="0"/>
           </a:p>
@@ -5093,7 +5089,7 @@
           <a:p>
             <a:fld id="{48A87A34-81AB-432B-8DAE-1953F412C126}" type="datetimeFigureOut">
               <a:rPr lang="en-US" dirty="0"/>
-              <a:t>12/6/2018</a:t>
+              <a:t>10/12/2019</a:t>
             </a:fld>
             <a:endParaRPr lang="en-US" dirty="0"/>
           </a:p>
@@ -5312,7 +5308,7 @@
             <a:fld id="{48A87A34-81AB-432B-8DAE-1953F412C126}" type="datetimeFigureOut">
               <a:rPr lang="en-US" dirty="0"/>
               <a:pPr/>
-              <a:t>12/6/2018</a:t>
+              <a:t>10/12/2019</a:t>
             </a:fld>
             <a:endParaRPr lang="en-US" dirty="0"/>
           </a:p>
@@ -5487,7 +5483,7 @@
           <a:p>
             <a:fld id="{48A87A34-81AB-432B-8DAE-1953F412C126}" type="datetimeFigureOut">
               <a:rPr lang="en-US" dirty="0"/>
-              <a:t>12/6/2018</a:t>
+              <a:t>10/12/2019</a:t>
             </a:fld>
             <a:endParaRPr lang="en-US" dirty="0"/>
           </a:p>
@@ -5772,7 +5768,7 @@
             <a:fld id="{48A87A34-81AB-432B-8DAE-1953F412C126}" type="datetimeFigureOut">
               <a:rPr lang="en-US" dirty="0"/>
               <a:pPr/>
-              <a:t>12/6/2018</a:t>
+              <a:t>10/12/2019</a:t>
             </a:fld>
             <a:endParaRPr lang="en-US" dirty="0"/>
           </a:p>
@@ -6009,7 +6005,7 @@
           <a:p>
             <a:fld id="{48A87A34-81AB-432B-8DAE-1953F412C126}" type="datetimeFigureOut">
               <a:rPr lang="en-US" dirty="0"/>
-              <a:t>12/6/2018</a:t>
+              <a:t>10/12/2019</a:t>
             </a:fld>
             <a:endParaRPr lang="en-US" dirty="0"/>
           </a:p>
@@ -6383,7 +6379,7 @@
           <a:p>
             <a:fld id="{48A87A34-81AB-432B-8DAE-1953F412C126}" type="datetimeFigureOut">
               <a:rPr lang="en-US" dirty="0"/>
-              <a:t>12/6/2018</a:t>
+              <a:t>10/12/2019</a:t>
             </a:fld>
             <a:endParaRPr lang="en-US" dirty="0"/>
           </a:p>
@@ -6496,7 +6492,7 @@
           <a:p>
             <a:fld id="{48A87A34-81AB-432B-8DAE-1953F412C126}" type="datetimeFigureOut">
               <a:rPr lang="en-US" dirty="0"/>
-              <a:t>12/6/2018</a:t>
+              <a:t>10/12/2019</a:t>
             </a:fld>
             <a:endParaRPr lang="en-US" dirty="0"/>
           </a:p>
@@ -6586,7 +6582,7 @@
           <a:p>
             <a:fld id="{48A87A34-81AB-432B-8DAE-1953F412C126}" type="datetimeFigureOut">
               <a:rPr lang="en-US" dirty="0"/>
-              <a:t>12/6/2018</a:t>
+              <a:t>10/12/2019</a:t>
             </a:fld>
             <a:endParaRPr lang="en-US" dirty="0"/>
           </a:p>
@@ -6830,7 +6826,7 @@
           <a:p>
             <a:fld id="{48A87A34-81AB-432B-8DAE-1953F412C126}" type="datetimeFigureOut">
               <a:rPr lang="en-US" dirty="0"/>
-              <a:t>12/6/2018</a:t>
+              <a:t>10/12/2019</a:t>
             </a:fld>
             <a:endParaRPr lang="en-US" dirty="0"/>
           </a:p>
@@ -7082,7 +7078,7 @@
           <a:p>
             <a:fld id="{48A87A34-81AB-432B-8DAE-1953F412C126}" type="datetimeFigureOut">
               <a:rPr lang="en-US" dirty="0"/>
-              <a:t>12/6/2018</a:t>
+              <a:t>10/12/2019</a:t>
             </a:fld>
             <a:endParaRPr lang="en-US" dirty="0"/>
           </a:p>
@@ -7321,7 +7317,7 @@
             <a:fld id="{48A87A34-81AB-432B-8DAE-1953F412C126}" type="datetimeFigureOut">
               <a:rPr lang="en-US" dirty="0"/>
               <a:pPr/>
-              <a:t>12/6/2018</a:t>
+              <a:t>10/12/2019</a:t>
             </a:fld>
             <a:endParaRPr lang="en-US" dirty="0"/>
           </a:p>
@@ -10003,7 +9999,7 @@
           <a:p>
             <a:pPr algn="ctr"/>
             <a:r>
-              <a:rPr lang="pt-PT" sz="1600" b="1" dirty="0">
+              <a:rPr lang="pt-PT" sz="1600" b="1" u="sng" dirty="0">
                 <a:solidFill>
                   <a:schemeClr val="bg1"/>
                 </a:solidFill>
@@ -10300,7 +10296,23 @@
                   <a:schemeClr val="bg1"/>
                 </a:solidFill>
               </a:rPr>
-              <a:t>13 de dezembro de 1927 (idade 90 anos), Áustria</a:t>
+              <a:t>13 de dezembro de 1927 (idade </a:t>
+            </a:r>
+            <a:r>
+              <a:rPr lang="pt-PT" dirty="0" smtClean="0">
+                <a:solidFill>
+                  <a:schemeClr val="bg1"/>
+                </a:solidFill>
+              </a:rPr>
+              <a:t>91</a:t>
+            </a:r>
+            <a:r>
+              <a:rPr lang="pt-PT" dirty="0">
+                <a:solidFill>
+                  <a:schemeClr val="bg1"/>
+                </a:solidFill>
+              </a:rPr>
+              <a:t> anos), Áustria</a:t>
             </a:r>
           </a:p>
           <a:p>
